--- a/야구K6_서버설치.pptx
+++ b/야구K6_서버설치.pptx
@@ -11,6 +11,12 @@
     <p:sldId id="257" r:id="rId5"/>
     <p:sldId id="261" r:id="rId6"/>
     <p:sldId id="262" r:id="rId7"/>
+    <p:sldId id="263" r:id="rId8"/>
+    <p:sldId id="269" r:id="rId9"/>
+    <p:sldId id="265" r:id="rId10"/>
+    <p:sldId id="266" r:id="rId11"/>
+    <p:sldId id="267" r:id="rId12"/>
+    <p:sldId id="268" r:id="rId13"/>
   </p:sldIdLst>
   <p:sldSz cx="12192000" cy="6858000"/>
   <p:notesSz cx="6858000" cy="9144000"/>
@@ -243,7 +249,7 @@
           <a:p>
             <a:fld id="{81EC6AE0-FB77-4B34-A74E-96E659487481}" type="datetimeFigureOut">
               <a:rPr lang="ko-KR" altLang="en-US" smtClean="0"/>
-              <a:t>2018-08-29</a:t>
+              <a:t>2018-09-23</a:t>
             </a:fld>
             <a:endParaRPr lang="ko-KR" altLang="en-US"/>
           </a:p>
@@ -413,7 +419,7 @@
           <a:p>
             <a:fld id="{81EC6AE0-FB77-4B34-A74E-96E659487481}" type="datetimeFigureOut">
               <a:rPr lang="ko-KR" altLang="en-US" smtClean="0"/>
-              <a:t>2018-08-29</a:t>
+              <a:t>2018-09-23</a:t>
             </a:fld>
             <a:endParaRPr lang="ko-KR" altLang="en-US"/>
           </a:p>
@@ -593,7 +599,7 @@
           <a:p>
             <a:fld id="{81EC6AE0-FB77-4B34-A74E-96E659487481}" type="datetimeFigureOut">
               <a:rPr lang="ko-KR" altLang="en-US" smtClean="0"/>
-              <a:t>2018-08-29</a:t>
+              <a:t>2018-09-23</a:t>
             </a:fld>
             <a:endParaRPr lang="ko-KR" altLang="en-US"/>
           </a:p>
@@ -763,7 +769,7 @@
           <a:p>
             <a:fld id="{81EC6AE0-FB77-4B34-A74E-96E659487481}" type="datetimeFigureOut">
               <a:rPr lang="ko-KR" altLang="en-US" smtClean="0"/>
-              <a:t>2018-08-29</a:t>
+              <a:t>2018-09-23</a:t>
             </a:fld>
             <a:endParaRPr lang="ko-KR" altLang="en-US"/>
           </a:p>
@@ -1009,7 +1015,7 @@
           <a:p>
             <a:fld id="{81EC6AE0-FB77-4B34-A74E-96E659487481}" type="datetimeFigureOut">
               <a:rPr lang="ko-KR" altLang="en-US" smtClean="0"/>
-              <a:t>2018-08-29</a:t>
+              <a:t>2018-09-23</a:t>
             </a:fld>
             <a:endParaRPr lang="ko-KR" altLang="en-US"/>
           </a:p>
@@ -1241,7 +1247,7 @@
           <a:p>
             <a:fld id="{81EC6AE0-FB77-4B34-A74E-96E659487481}" type="datetimeFigureOut">
               <a:rPr lang="ko-KR" altLang="en-US" smtClean="0"/>
-              <a:t>2018-08-29</a:t>
+              <a:t>2018-09-23</a:t>
             </a:fld>
             <a:endParaRPr lang="ko-KR" altLang="en-US"/>
           </a:p>
@@ -1608,7 +1614,7 @@
           <a:p>
             <a:fld id="{81EC6AE0-FB77-4B34-A74E-96E659487481}" type="datetimeFigureOut">
               <a:rPr lang="ko-KR" altLang="en-US" smtClean="0"/>
-              <a:t>2018-08-29</a:t>
+              <a:t>2018-09-23</a:t>
             </a:fld>
             <a:endParaRPr lang="ko-KR" altLang="en-US"/>
           </a:p>
@@ -1726,7 +1732,7 @@
           <a:p>
             <a:fld id="{81EC6AE0-FB77-4B34-A74E-96E659487481}" type="datetimeFigureOut">
               <a:rPr lang="ko-KR" altLang="en-US" smtClean="0"/>
-              <a:t>2018-08-29</a:t>
+              <a:t>2018-09-23</a:t>
             </a:fld>
             <a:endParaRPr lang="ko-KR" altLang="en-US"/>
           </a:p>
@@ -1821,7 +1827,7 @@
           <a:p>
             <a:fld id="{81EC6AE0-FB77-4B34-A74E-96E659487481}" type="datetimeFigureOut">
               <a:rPr lang="ko-KR" altLang="en-US" smtClean="0"/>
-              <a:t>2018-08-29</a:t>
+              <a:t>2018-09-23</a:t>
             </a:fld>
             <a:endParaRPr lang="ko-KR" altLang="en-US"/>
           </a:p>
@@ -2098,7 +2104,7 @@
           <a:p>
             <a:fld id="{81EC6AE0-FB77-4B34-A74E-96E659487481}" type="datetimeFigureOut">
               <a:rPr lang="ko-KR" altLang="en-US" smtClean="0"/>
-              <a:t>2018-08-29</a:t>
+              <a:t>2018-09-23</a:t>
             </a:fld>
             <a:endParaRPr lang="ko-KR" altLang="en-US"/>
           </a:p>
@@ -2351,7 +2357,7 @@
           <a:p>
             <a:fld id="{81EC6AE0-FB77-4B34-A74E-96E659487481}" type="datetimeFigureOut">
               <a:rPr lang="ko-KR" altLang="en-US" smtClean="0"/>
-              <a:t>2018-08-29</a:t>
+              <a:t>2018-09-23</a:t>
             </a:fld>
             <a:endParaRPr lang="ko-KR" altLang="en-US"/>
           </a:p>
@@ -2564,7 +2570,7 @@
           <a:p>
             <a:fld id="{81EC6AE0-FB77-4B34-A74E-96E659487481}" type="datetimeFigureOut">
               <a:rPr lang="ko-KR" altLang="en-US" smtClean="0"/>
-              <a:t>2018-08-29</a:t>
+              <a:t>2018-09-23</a:t>
             </a:fld>
             <a:endParaRPr lang="ko-KR" altLang="en-US"/>
           </a:p>
@@ -3040,6 +3046,288 @@
 </p:sld>
 </file>
 
+<file path=ppt/slides/slide10.xml><?xml version="1.0" encoding="utf-8"?>
+<p:sld xmlns:a="http://schemas.openxmlformats.org/drawingml/2006/main" xmlns:r="http://schemas.openxmlformats.org/officeDocument/2006/relationships" xmlns:p="http://schemas.openxmlformats.org/presentationml/2006/main">
+  <p:cSld>
+    <p:spTree>
+      <p:nvGrpSpPr>
+        <p:cNvPr id="1" name=""/>
+        <p:cNvGrpSpPr/>
+        <p:nvPr/>
+      </p:nvGrpSpPr>
+      <p:grpSpPr>
+        <a:xfrm>
+          <a:off x="0" y="0"/>
+          <a:ext cx="0" cy="0"/>
+          <a:chOff x="0" y="0"/>
+          <a:chExt cx="0" cy="0"/>
+        </a:xfrm>
+      </p:grpSpPr>
+      <p:pic>
+        <p:nvPicPr>
+          <p:cNvPr id="4098" name="Picture 2"/>
+          <p:cNvPicPr>
+            <a:picLocks noChangeAspect="1" noChangeArrowheads="1"/>
+          </p:cNvPicPr>
+          <p:nvPr/>
+        </p:nvPicPr>
+        <p:blipFill>
+          <a:blip r:embed="rId2">
+            <a:extLst>
+              <a:ext uri="{28A0092B-C50C-407E-A947-70E740481C1C}">
+                <a14:useLocalDpi xmlns:a14="http://schemas.microsoft.com/office/drawing/2010/main" val="0"/>
+              </a:ext>
+            </a:extLst>
+          </a:blip>
+          <a:srcRect/>
+          <a:stretch>
+            <a:fillRect/>
+          </a:stretch>
+        </p:blipFill>
+        <p:spPr bwMode="auto">
+          <a:xfrm>
+            <a:off x="1076325" y="542925"/>
+            <a:ext cx="10039350" cy="5772150"/>
+          </a:xfrm>
+          <a:prstGeom prst="rect">
+            <a:avLst/>
+          </a:prstGeom>
+          <a:noFill/>
+          <a:ln>
+            <a:noFill/>
+          </a:ln>
+          <a:effectLst/>
+          <a:extLst>
+            <a:ext uri="{909E8E84-426E-40DD-AFC4-6F175D3DCCD1}">
+              <a14:hiddenFill xmlns:a14="http://schemas.microsoft.com/office/drawing/2010/main">
+                <a:solidFill>
+                  <a:schemeClr val="accent1"/>
+                </a:solidFill>
+              </a14:hiddenFill>
+            </a:ext>
+            <a:ext uri="{91240B29-F687-4F45-9708-019B960494DF}">
+              <a14:hiddenLine xmlns:a14="http://schemas.microsoft.com/office/drawing/2010/main" w="9525">
+                <a:solidFill>
+                  <a:schemeClr val="tx1"/>
+                </a:solidFill>
+                <a:miter lim="800000"/>
+                <a:headEnd/>
+                <a:tailEnd/>
+              </a14:hiddenLine>
+            </a:ext>
+            <a:ext uri="{AF507438-7753-43E0-B8FC-AC1667EBCBE1}">
+              <a14:hiddenEffects xmlns:a14="http://schemas.microsoft.com/office/drawing/2010/main">
+                <a:effectLst>
+                  <a:outerShdw dist="35921" dir="2700000" algn="ctr" rotWithShape="0">
+                    <a:schemeClr val="bg2"/>
+                  </a:outerShdw>
+                </a:effectLst>
+              </a14:hiddenEffects>
+            </a:ext>
+          </a:extLst>
+        </p:spPr>
+      </p:pic>
+    </p:spTree>
+    <p:extLst>
+      <p:ext uri="{BB962C8B-B14F-4D97-AF65-F5344CB8AC3E}">
+        <p14:creationId xmlns:p14="http://schemas.microsoft.com/office/powerpoint/2010/main" val="73999948"/>
+      </p:ext>
+    </p:extLst>
+  </p:cSld>
+  <p:clrMapOvr>
+    <a:masterClrMapping/>
+  </p:clrMapOvr>
+</p:sld>
+</file>
+
+<file path=ppt/slides/slide11.xml><?xml version="1.0" encoding="utf-8"?>
+<p:sld xmlns:a="http://schemas.openxmlformats.org/drawingml/2006/main" xmlns:r="http://schemas.openxmlformats.org/officeDocument/2006/relationships" xmlns:p="http://schemas.openxmlformats.org/presentationml/2006/main">
+  <p:cSld>
+    <p:spTree>
+      <p:nvGrpSpPr>
+        <p:cNvPr id="1" name=""/>
+        <p:cNvGrpSpPr/>
+        <p:nvPr/>
+      </p:nvGrpSpPr>
+      <p:grpSpPr>
+        <a:xfrm>
+          <a:off x="0" y="0"/>
+          <a:ext cx="0" cy="0"/>
+          <a:chOff x="0" y="0"/>
+          <a:chExt cx="0" cy="0"/>
+        </a:xfrm>
+      </p:grpSpPr>
+      <p:pic>
+        <p:nvPicPr>
+          <p:cNvPr id="3074" name="Picture 2"/>
+          <p:cNvPicPr>
+            <a:picLocks noChangeAspect="1" noChangeArrowheads="1"/>
+          </p:cNvPicPr>
+          <p:nvPr/>
+        </p:nvPicPr>
+        <p:blipFill>
+          <a:blip r:embed="rId2">
+            <a:extLst>
+              <a:ext uri="{28A0092B-C50C-407E-A947-70E740481C1C}">
+                <a14:useLocalDpi xmlns:a14="http://schemas.microsoft.com/office/drawing/2010/main" val="0"/>
+              </a:ext>
+            </a:extLst>
+          </a:blip>
+          <a:srcRect/>
+          <a:stretch>
+            <a:fillRect/>
+          </a:stretch>
+        </p:blipFill>
+        <p:spPr bwMode="auto">
+          <a:xfrm>
+            <a:off x="1047750" y="557213"/>
+            <a:ext cx="10096500" cy="5743575"/>
+          </a:xfrm>
+          <a:prstGeom prst="rect">
+            <a:avLst/>
+          </a:prstGeom>
+          <a:noFill/>
+          <a:ln>
+            <a:noFill/>
+          </a:ln>
+          <a:effectLst/>
+          <a:extLst>
+            <a:ext uri="{909E8E84-426E-40DD-AFC4-6F175D3DCCD1}">
+              <a14:hiddenFill xmlns:a14="http://schemas.microsoft.com/office/drawing/2010/main">
+                <a:solidFill>
+                  <a:schemeClr val="accent1"/>
+                </a:solidFill>
+              </a14:hiddenFill>
+            </a:ext>
+            <a:ext uri="{91240B29-F687-4F45-9708-019B960494DF}">
+              <a14:hiddenLine xmlns:a14="http://schemas.microsoft.com/office/drawing/2010/main" w="9525">
+                <a:solidFill>
+                  <a:schemeClr val="tx1"/>
+                </a:solidFill>
+                <a:miter lim="800000"/>
+                <a:headEnd/>
+                <a:tailEnd/>
+              </a14:hiddenLine>
+            </a:ext>
+            <a:ext uri="{AF507438-7753-43E0-B8FC-AC1667EBCBE1}">
+              <a14:hiddenEffects xmlns:a14="http://schemas.microsoft.com/office/drawing/2010/main">
+                <a:effectLst>
+                  <a:outerShdw dist="35921" dir="2700000" algn="ctr" rotWithShape="0">
+                    <a:schemeClr val="bg2"/>
+                  </a:outerShdw>
+                </a:effectLst>
+              </a14:hiddenEffects>
+            </a:ext>
+          </a:extLst>
+        </p:spPr>
+      </p:pic>
+    </p:spTree>
+    <p:extLst>
+      <p:ext uri="{BB962C8B-B14F-4D97-AF65-F5344CB8AC3E}">
+        <p14:creationId xmlns:p14="http://schemas.microsoft.com/office/powerpoint/2010/main" val="73999948"/>
+      </p:ext>
+    </p:extLst>
+  </p:cSld>
+  <p:clrMapOvr>
+    <a:masterClrMapping/>
+  </p:clrMapOvr>
+</p:sld>
+</file>
+
+<file path=ppt/slides/slide12.xml><?xml version="1.0" encoding="utf-8"?>
+<p:sld xmlns:a="http://schemas.openxmlformats.org/drawingml/2006/main" xmlns:r="http://schemas.openxmlformats.org/officeDocument/2006/relationships" xmlns:p="http://schemas.openxmlformats.org/presentationml/2006/main">
+  <p:cSld>
+    <p:spTree>
+      <p:nvGrpSpPr>
+        <p:cNvPr id="1" name=""/>
+        <p:cNvGrpSpPr/>
+        <p:nvPr/>
+      </p:nvGrpSpPr>
+      <p:grpSpPr>
+        <a:xfrm>
+          <a:off x="0" y="0"/>
+          <a:ext cx="0" cy="0"/>
+          <a:chOff x="0" y="0"/>
+          <a:chExt cx="0" cy="0"/>
+        </a:xfrm>
+      </p:grpSpPr>
+      <p:pic>
+        <p:nvPicPr>
+          <p:cNvPr id="2050" name="Picture 2"/>
+          <p:cNvPicPr>
+            <a:picLocks noChangeAspect="1" noChangeArrowheads="1"/>
+          </p:cNvPicPr>
+          <p:nvPr/>
+        </p:nvPicPr>
+        <p:blipFill>
+          <a:blip r:embed="rId2">
+            <a:extLst>
+              <a:ext uri="{28A0092B-C50C-407E-A947-70E740481C1C}">
+                <a14:useLocalDpi xmlns:a14="http://schemas.microsoft.com/office/drawing/2010/main" val="0"/>
+              </a:ext>
+            </a:extLst>
+          </a:blip>
+          <a:srcRect/>
+          <a:stretch>
+            <a:fillRect/>
+          </a:stretch>
+        </p:blipFill>
+        <p:spPr bwMode="auto">
+          <a:xfrm>
+            <a:off x="1085850" y="538163"/>
+            <a:ext cx="10020300" cy="5781675"/>
+          </a:xfrm>
+          <a:prstGeom prst="rect">
+            <a:avLst/>
+          </a:prstGeom>
+          <a:noFill/>
+          <a:ln>
+            <a:noFill/>
+          </a:ln>
+          <a:effectLst/>
+          <a:extLst>
+            <a:ext uri="{909E8E84-426E-40DD-AFC4-6F175D3DCCD1}">
+              <a14:hiddenFill xmlns:a14="http://schemas.microsoft.com/office/drawing/2010/main">
+                <a:solidFill>
+                  <a:schemeClr val="accent1"/>
+                </a:solidFill>
+              </a14:hiddenFill>
+            </a:ext>
+            <a:ext uri="{91240B29-F687-4F45-9708-019B960494DF}">
+              <a14:hiddenLine xmlns:a14="http://schemas.microsoft.com/office/drawing/2010/main" w="9525">
+                <a:solidFill>
+                  <a:schemeClr val="tx1"/>
+                </a:solidFill>
+                <a:miter lim="800000"/>
+                <a:headEnd/>
+                <a:tailEnd/>
+              </a14:hiddenLine>
+            </a:ext>
+            <a:ext uri="{AF507438-7753-43E0-B8FC-AC1667EBCBE1}">
+              <a14:hiddenEffects xmlns:a14="http://schemas.microsoft.com/office/drawing/2010/main">
+                <a:effectLst>
+                  <a:outerShdw dist="35921" dir="2700000" algn="ctr" rotWithShape="0">
+                    <a:schemeClr val="bg2"/>
+                  </a:outerShdw>
+                </a:effectLst>
+              </a14:hiddenEffects>
+            </a:ext>
+          </a:extLst>
+        </p:spPr>
+      </p:pic>
+    </p:spTree>
+    <p:extLst>
+      <p:ext uri="{BB962C8B-B14F-4D97-AF65-F5344CB8AC3E}">
+        <p14:creationId xmlns:p14="http://schemas.microsoft.com/office/powerpoint/2010/main" val="73999948"/>
+      </p:ext>
+    </p:extLst>
+  </p:cSld>
+  <p:clrMapOvr>
+    <a:masterClrMapping/>
+  </p:clrMapOvr>
+</p:sld>
+</file>
+
 <file path=ppt/slides/slide2.xml><?xml version="1.0" encoding="utf-8"?>
 <p:sld xmlns:a="http://schemas.openxmlformats.org/drawingml/2006/main" xmlns:r="http://schemas.openxmlformats.org/officeDocument/2006/relationships" xmlns:p="http://schemas.openxmlformats.org/presentationml/2006/main">
   <p:cSld>
@@ -3632,6 +3920,321 @@
     <p:extLst>
       <p:ext uri="{BB962C8B-B14F-4D97-AF65-F5344CB8AC3E}">
         <p14:creationId xmlns:p14="http://schemas.microsoft.com/office/powerpoint/2010/main" val="2146309992"/>
+      </p:ext>
+    </p:extLst>
+  </p:cSld>
+  <p:clrMapOvr>
+    <a:masterClrMapping/>
+  </p:clrMapOvr>
+</p:sld>
+</file>
+
+<file path=ppt/slides/slide7.xml><?xml version="1.0" encoding="utf-8"?>
+<p:sld xmlns:a="http://schemas.openxmlformats.org/drawingml/2006/main" xmlns:r="http://schemas.openxmlformats.org/officeDocument/2006/relationships" xmlns:p="http://schemas.openxmlformats.org/presentationml/2006/main">
+  <p:cSld>
+    <p:spTree>
+      <p:nvGrpSpPr>
+        <p:cNvPr id="1" name=""/>
+        <p:cNvGrpSpPr/>
+        <p:nvPr/>
+      </p:nvGrpSpPr>
+      <p:grpSpPr>
+        <a:xfrm>
+          <a:off x="0" y="0"/>
+          <a:ext cx="0" cy="0"/>
+          <a:chOff x="0" y="0"/>
+          <a:chExt cx="0" cy="0"/>
+        </a:xfrm>
+      </p:grpSpPr>
+      <p:sp>
+        <p:nvSpPr>
+          <p:cNvPr id="4" name="TextBox 3"/>
+          <p:cNvSpPr txBox="1"/>
+          <p:nvPr/>
+        </p:nvSpPr>
+        <p:spPr>
+          <a:xfrm>
+            <a:off x="513237" y="88877"/>
+            <a:ext cx="8423031" cy="646331"/>
+          </a:xfrm>
+          <a:prstGeom prst="rect">
+            <a:avLst/>
+          </a:prstGeom>
+          <a:noFill/>
+        </p:spPr>
+        <p:txBody>
+          <a:bodyPr wrap="square" rtlCol="0">
+            <a:spAutoFit/>
+          </a:bodyPr>
+          <a:lstStyle/>
+          <a:p>
+            <a:r>
+              <a:rPr lang="ko-KR" altLang="en-US" smtClean="0"/>
+              <a:t>작업 스케줄러 등록</a:t>
+            </a:r>
+            <a:endParaRPr lang="en-US" altLang="ko-KR" dirty="0"/>
+          </a:p>
+          <a:p>
+            <a:endParaRPr lang="ko-KR" altLang="en-US" dirty="0"/>
+          </a:p>
+        </p:txBody>
+      </p:sp>
+      <p:pic>
+        <p:nvPicPr>
+          <p:cNvPr id="1026" name="Picture 2"/>
+          <p:cNvPicPr>
+            <a:picLocks noChangeAspect="1" noChangeArrowheads="1"/>
+          </p:cNvPicPr>
+          <p:nvPr/>
+        </p:nvPicPr>
+        <p:blipFill>
+          <a:blip r:embed="rId2">
+            <a:extLst>
+              <a:ext uri="{28A0092B-C50C-407E-A947-70E740481C1C}">
+                <a14:useLocalDpi xmlns:a14="http://schemas.microsoft.com/office/drawing/2010/main" val="0"/>
+              </a:ext>
+            </a:extLst>
+          </a:blip>
+          <a:srcRect/>
+          <a:stretch>
+            <a:fillRect/>
+          </a:stretch>
+        </p:blipFill>
+        <p:spPr bwMode="auto">
+          <a:xfrm>
+            <a:off x="513237" y="677312"/>
+            <a:ext cx="11010900" cy="6000750"/>
+          </a:xfrm>
+          <a:prstGeom prst="rect">
+            <a:avLst/>
+          </a:prstGeom>
+          <a:noFill/>
+          <a:ln>
+            <a:noFill/>
+          </a:ln>
+          <a:effectLst/>
+          <a:extLst>
+            <a:ext uri="{909E8E84-426E-40DD-AFC4-6F175D3DCCD1}">
+              <a14:hiddenFill xmlns:a14="http://schemas.microsoft.com/office/drawing/2010/main">
+                <a:solidFill>
+                  <a:schemeClr val="accent1"/>
+                </a:solidFill>
+              </a14:hiddenFill>
+            </a:ext>
+            <a:ext uri="{91240B29-F687-4F45-9708-019B960494DF}">
+              <a14:hiddenLine xmlns:a14="http://schemas.microsoft.com/office/drawing/2010/main" w="9525">
+                <a:solidFill>
+                  <a:schemeClr val="tx1"/>
+                </a:solidFill>
+                <a:miter lim="800000"/>
+                <a:headEnd/>
+                <a:tailEnd/>
+              </a14:hiddenLine>
+            </a:ext>
+            <a:ext uri="{AF507438-7753-43E0-B8FC-AC1667EBCBE1}">
+              <a14:hiddenEffects xmlns:a14="http://schemas.microsoft.com/office/drawing/2010/main">
+                <a:effectLst>
+                  <a:outerShdw dist="35921" dir="2700000" algn="ctr" rotWithShape="0">
+                    <a:schemeClr val="bg2"/>
+                  </a:outerShdw>
+                </a:effectLst>
+              </a14:hiddenEffects>
+            </a:ext>
+          </a:extLst>
+        </p:spPr>
+      </p:pic>
+    </p:spTree>
+    <p:extLst>
+      <p:ext uri="{BB962C8B-B14F-4D97-AF65-F5344CB8AC3E}">
+        <p14:creationId xmlns:p14="http://schemas.microsoft.com/office/powerpoint/2010/main" val="4228542096"/>
+      </p:ext>
+    </p:extLst>
+  </p:cSld>
+  <p:clrMapOvr>
+    <a:masterClrMapping/>
+  </p:clrMapOvr>
+</p:sld>
+</file>
+
+<file path=ppt/slides/slide8.xml><?xml version="1.0" encoding="utf-8"?>
+<p:sld xmlns:a="http://schemas.openxmlformats.org/drawingml/2006/main" xmlns:r="http://schemas.openxmlformats.org/officeDocument/2006/relationships" xmlns:p="http://schemas.openxmlformats.org/presentationml/2006/main">
+  <p:cSld>
+    <p:spTree>
+      <p:nvGrpSpPr>
+        <p:cNvPr id="1" name=""/>
+        <p:cNvGrpSpPr/>
+        <p:nvPr/>
+      </p:nvGrpSpPr>
+      <p:grpSpPr>
+        <a:xfrm>
+          <a:off x="0" y="0"/>
+          <a:ext cx="0" cy="0"/>
+          <a:chOff x="0" y="0"/>
+          <a:chExt cx="0" cy="0"/>
+        </a:xfrm>
+      </p:grpSpPr>
+      <p:pic>
+        <p:nvPicPr>
+          <p:cNvPr id="6146" name="Picture 2"/>
+          <p:cNvPicPr>
+            <a:picLocks noChangeAspect="1" noChangeArrowheads="1"/>
+          </p:cNvPicPr>
+          <p:nvPr/>
+        </p:nvPicPr>
+        <p:blipFill>
+          <a:blip r:embed="rId2">
+            <a:extLst>
+              <a:ext uri="{28A0092B-C50C-407E-A947-70E740481C1C}">
+                <a14:useLocalDpi xmlns:a14="http://schemas.microsoft.com/office/drawing/2010/main" val="0"/>
+              </a:ext>
+            </a:extLst>
+          </a:blip>
+          <a:srcRect/>
+          <a:stretch>
+            <a:fillRect/>
+          </a:stretch>
+        </p:blipFill>
+        <p:spPr bwMode="auto">
+          <a:xfrm>
+            <a:off x="1090613" y="471488"/>
+            <a:ext cx="10010775" cy="5915025"/>
+          </a:xfrm>
+          <a:prstGeom prst="rect">
+            <a:avLst/>
+          </a:prstGeom>
+          <a:noFill/>
+          <a:ln>
+            <a:noFill/>
+          </a:ln>
+          <a:effectLst/>
+          <a:extLst>
+            <a:ext uri="{909E8E84-426E-40DD-AFC4-6F175D3DCCD1}">
+              <a14:hiddenFill xmlns:a14="http://schemas.microsoft.com/office/drawing/2010/main">
+                <a:solidFill>
+                  <a:schemeClr val="accent1"/>
+                </a:solidFill>
+              </a14:hiddenFill>
+            </a:ext>
+            <a:ext uri="{91240B29-F687-4F45-9708-019B960494DF}">
+              <a14:hiddenLine xmlns:a14="http://schemas.microsoft.com/office/drawing/2010/main" w="9525">
+                <a:solidFill>
+                  <a:schemeClr val="tx1"/>
+                </a:solidFill>
+                <a:miter lim="800000"/>
+                <a:headEnd/>
+                <a:tailEnd/>
+              </a14:hiddenLine>
+            </a:ext>
+            <a:ext uri="{AF507438-7753-43E0-B8FC-AC1667EBCBE1}">
+              <a14:hiddenEffects xmlns:a14="http://schemas.microsoft.com/office/drawing/2010/main">
+                <a:effectLst>
+                  <a:outerShdw dist="35921" dir="2700000" algn="ctr" rotWithShape="0">
+                    <a:schemeClr val="bg2"/>
+                  </a:outerShdw>
+                </a:effectLst>
+              </a14:hiddenEffects>
+            </a:ext>
+          </a:extLst>
+        </p:spPr>
+      </p:pic>
+    </p:spTree>
+    <p:extLst>
+      <p:ext uri="{BB962C8B-B14F-4D97-AF65-F5344CB8AC3E}">
+        <p14:creationId xmlns:p14="http://schemas.microsoft.com/office/powerpoint/2010/main" val="227651348"/>
+      </p:ext>
+    </p:extLst>
+  </p:cSld>
+  <p:clrMapOvr>
+    <a:masterClrMapping/>
+  </p:clrMapOvr>
+</p:sld>
+</file>
+
+<file path=ppt/slides/slide9.xml><?xml version="1.0" encoding="utf-8"?>
+<p:sld xmlns:a="http://schemas.openxmlformats.org/drawingml/2006/main" xmlns:r="http://schemas.openxmlformats.org/officeDocument/2006/relationships" xmlns:p="http://schemas.openxmlformats.org/presentationml/2006/main">
+  <p:cSld>
+    <p:spTree>
+      <p:nvGrpSpPr>
+        <p:cNvPr id="1" name=""/>
+        <p:cNvGrpSpPr/>
+        <p:nvPr/>
+      </p:nvGrpSpPr>
+      <p:grpSpPr>
+        <a:xfrm>
+          <a:off x="0" y="0"/>
+          <a:ext cx="0" cy="0"/>
+          <a:chOff x="0" y="0"/>
+          <a:chExt cx="0" cy="0"/>
+        </a:xfrm>
+      </p:grpSpPr>
+      <p:pic>
+        <p:nvPicPr>
+          <p:cNvPr id="5122" name="Picture 2"/>
+          <p:cNvPicPr>
+            <a:picLocks noChangeAspect="1" noChangeArrowheads="1"/>
+          </p:cNvPicPr>
+          <p:nvPr/>
+        </p:nvPicPr>
+        <p:blipFill>
+          <a:blip r:embed="rId2">
+            <a:extLst>
+              <a:ext uri="{28A0092B-C50C-407E-A947-70E740481C1C}">
+                <a14:useLocalDpi xmlns:a14="http://schemas.microsoft.com/office/drawing/2010/main" val="0"/>
+              </a:ext>
+            </a:extLst>
+          </a:blip>
+          <a:srcRect/>
+          <a:stretch>
+            <a:fillRect/>
+          </a:stretch>
+        </p:blipFill>
+        <p:spPr bwMode="auto">
+          <a:xfrm>
+            <a:off x="1081088" y="514350"/>
+            <a:ext cx="10029825" cy="5829300"/>
+          </a:xfrm>
+          <a:prstGeom prst="rect">
+            <a:avLst/>
+          </a:prstGeom>
+          <a:noFill/>
+          <a:ln>
+            <a:noFill/>
+          </a:ln>
+          <a:effectLst/>
+          <a:extLst>
+            <a:ext uri="{909E8E84-426E-40DD-AFC4-6F175D3DCCD1}">
+              <a14:hiddenFill xmlns:a14="http://schemas.microsoft.com/office/drawing/2010/main">
+                <a:solidFill>
+                  <a:schemeClr val="accent1"/>
+                </a:solidFill>
+              </a14:hiddenFill>
+            </a:ext>
+            <a:ext uri="{91240B29-F687-4F45-9708-019B960494DF}">
+              <a14:hiddenLine xmlns:a14="http://schemas.microsoft.com/office/drawing/2010/main" w="9525">
+                <a:solidFill>
+                  <a:schemeClr val="tx1"/>
+                </a:solidFill>
+                <a:miter lim="800000"/>
+                <a:headEnd/>
+                <a:tailEnd/>
+              </a14:hiddenLine>
+            </a:ext>
+            <a:ext uri="{AF507438-7753-43E0-B8FC-AC1667EBCBE1}">
+              <a14:hiddenEffects xmlns:a14="http://schemas.microsoft.com/office/drawing/2010/main">
+                <a:effectLst>
+                  <a:outerShdw dist="35921" dir="2700000" algn="ctr" rotWithShape="0">
+                    <a:schemeClr val="bg2"/>
+                  </a:outerShdw>
+                </a:effectLst>
+              </a14:hiddenEffects>
+            </a:ext>
+          </a:extLst>
+        </p:spPr>
+      </p:pic>
+    </p:spTree>
+    <p:extLst>
+      <p:ext uri="{BB962C8B-B14F-4D97-AF65-F5344CB8AC3E}">
+        <p14:creationId xmlns:p14="http://schemas.microsoft.com/office/powerpoint/2010/main" val="73999948"/>
       </p:ext>
     </p:extLst>
   </p:cSld>
@@ -3896,7 +4499,7 @@
   <a:extraClrSchemeLst/>
   <a:extLst>
     <a:ext uri="{05A4C25C-085E-4340-85A3-A5531E510DB2}">
-      <thm15:themeFamily xmlns:thm15="http://schemas.microsoft.com/office/thememl/2012/main" xmlns="" name="Office Theme" id="{62F939B6-93AF-4DB8-9C6B-D6C7DFDC589F}" vid="{4A3C46E8-61CC-4603-A589-7422A47A8E4A}"/>
+      <thm15:themeFamily xmlns="" xmlns:thm15="http://schemas.microsoft.com/office/thememl/2012/main" name="Office Theme" id="{62F939B6-93AF-4DB8-9C6B-D6C7DFDC589F}" vid="{4A3C46E8-61CC-4603-A589-7422A47A8E4A}"/>
     </a:ext>
   </a:extLst>
 </a:theme>

--- a/야구K6_서버설치.pptx
+++ b/야구K6_서버설치.pptx
@@ -11,12 +11,15 @@
     <p:sldId id="257" r:id="rId5"/>
     <p:sldId id="261" r:id="rId6"/>
     <p:sldId id="262" r:id="rId7"/>
-    <p:sldId id="263" r:id="rId8"/>
-    <p:sldId id="269" r:id="rId9"/>
-    <p:sldId id="265" r:id="rId10"/>
-    <p:sldId id="266" r:id="rId11"/>
-    <p:sldId id="267" r:id="rId12"/>
-    <p:sldId id="268" r:id="rId13"/>
+    <p:sldId id="272" r:id="rId8"/>
+    <p:sldId id="263" r:id="rId9"/>
+    <p:sldId id="269" r:id="rId10"/>
+    <p:sldId id="265" r:id="rId11"/>
+    <p:sldId id="266" r:id="rId12"/>
+    <p:sldId id="267" r:id="rId13"/>
+    <p:sldId id="270" r:id="rId14"/>
+    <p:sldId id="271" r:id="rId15"/>
+    <p:sldId id="268" r:id="rId16"/>
   </p:sldIdLst>
   <p:sldSz cx="12192000" cy="6858000"/>
   <p:notesSz cx="6858000" cy="9144000"/>
@@ -115,6 +118,22 @@
       </a:defRPr>
     </a:lvl9pPr>
   </p:defaultTextStyle>
+  <p:extLst>
+    <p:ext uri="{EFAFB233-063F-42B5-8137-9DF3F51BA10A}">
+      <p15:sldGuideLst xmlns:p15="http://schemas.microsoft.com/office/powerpoint/2012/main">
+        <p15:guide id="1" orient="horz" pos="2160">
+          <p15:clr>
+            <a:srgbClr val="A4A3A4"/>
+          </p15:clr>
+        </p15:guide>
+        <p15:guide id="2" pos="3840">
+          <p15:clr>
+            <a:srgbClr val="A4A3A4"/>
+          </p15:clr>
+        </p15:guide>
+      </p15:sldGuideLst>
+    </p:ext>
+  </p:extLst>
 </p:presentation>
 </file>
 
@@ -249,7 +268,7 @@
           <a:p>
             <a:fld id="{81EC6AE0-FB77-4B34-A74E-96E659487481}" type="datetimeFigureOut">
               <a:rPr lang="ko-KR" altLang="en-US" smtClean="0"/>
-              <a:t>2018-09-23</a:t>
+              <a:t>2018-10-22</a:t>
             </a:fld>
             <a:endParaRPr lang="ko-KR" altLang="en-US"/>
           </a:p>
@@ -419,7 +438,7 @@
           <a:p>
             <a:fld id="{81EC6AE0-FB77-4B34-A74E-96E659487481}" type="datetimeFigureOut">
               <a:rPr lang="ko-KR" altLang="en-US" smtClean="0"/>
-              <a:t>2018-09-23</a:t>
+              <a:t>2018-10-22</a:t>
             </a:fld>
             <a:endParaRPr lang="ko-KR" altLang="en-US"/>
           </a:p>
@@ -599,7 +618,7 @@
           <a:p>
             <a:fld id="{81EC6AE0-FB77-4B34-A74E-96E659487481}" type="datetimeFigureOut">
               <a:rPr lang="ko-KR" altLang="en-US" smtClean="0"/>
-              <a:t>2018-09-23</a:t>
+              <a:t>2018-10-22</a:t>
             </a:fld>
             <a:endParaRPr lang="ko-KR" altLang="en-US"/>
           </a:p>
@@ -769,7 +788,7 @@
           <a:p>
             <a:fld id="{81EC6AE0-FB77-4B34-A74E-96E659487481}" type="datetimeFigureOut">
               <a:rPr lang="ko-KR" altLang="en-US" smtClean="0"/>
-              <a:t>2018-09-23</a:t>
+              <a:t>2018-10-22</a:t>
             </a:fld>
             <a:endParaRPr lang="ko-KR" altLang="en-US"/>
           </a:p>
@@ -1015,7 +1034,7 @@
           <a:p>
             <a:fld id="{81EC6AE0-FB77-4B34-A74E-96E659487481}" type="datetimeFigureOut">
               <a:rPr lang="ko-KR" altLang="en-US" smtClean="0"/>
-              <a:t>2018-09-23</a:t>
+              <a:t>2018-10-22</a:t>
             </a:fld>
             <a:endParaRPr lang="ko-KR" altLang="en-US"/>
           </a:p>
@@ -1247,7 +1266,7 @@
           <a:p>
             <a:fld id="{81EC6AE0-FB77-4B34-A74E-96E659487481}" type="datetimeFigureOut">
               <a:rPr lang="ko-KR" altLang="en-US" smtClean="0"/>
-              <a:t>2018-09-23</a:t>
+              <a:t>2018-10-22</a:t>
             </a:fld>
             <a:endParaRPr lang="ko-KR" altLang="en-US"/>
           </a:p>
@@ -1614,7 +1633,7 @@
           <a:p>
             <a:fld id="{81EC6AE0-FB77-4B34-A74E-96E659487481}" type="datetimeFigureOut">
               <a:rPr lang="ko-KR" altLang="en-US" smtClean="0"/>
-              <a:t>2018-09-23</a:t>
+              <a:t>2018-10-22</a:t>
             </a:fld>
             <a:endParaRPr lang="ko-KR" altLang="en-US"/>
           </a:p>
@@ -1732,7 +1751,7 @@
           <a:p>
             <a:fld id="{81EC6AE0-FB77-4B34-A74E-96E659487481}" type="datetimeFigureOut">
               <a:rPr lang="ko-KR" altLang="en-US" smtClean="0"/>
-              <a:t>2018-09-23</a:t>
+              <a:t>2018-10-22</a:t>
             </a:fld>
             <a:endParaRPr lang="ko-KR" altLang="en-US"/>
           </a:p>
@@ -1827,7 +1846,7 @@
           <a:p>
             <a:fld id="{81EC6AE0-FB77-4B34-A74E-96E659487481}" type="datetimeFigureOut">
               <a:rPr lang="ko-KR" altLang="en-US" smtClean="0"/>
-              <a:t>2018-09-23</a:t>
+              <a:t>2018-10-22</a:t>
             </a:fld>
             <a:endParaRPr lang="ko-KR" altLang="en-US"/>
           </a:p>
@@ -2104,7 +2123,7 @@
           <a:p>
             <a:fld id="{81EC6AE0-FB77-4B34-A74E-96E659487481}" type="datetimeFigureOut">
               <a:rPr lang="ko-KR" altLang="en-US" smtClean="0"/>
-              <a:t>2018-09-23</a:t>
+              <a:t>2018-10-22</a:t>
             </a:fld>
             <a:endParaRPr lang="ko-KR" altLang="en-US"/>
           </a:p>
@@ -2357,7 +2376,7 @@
           <a:p>
             <a:fld id="{81EC6AE0-FB77-4B34-A74E-96E659487481}" type="datetimeFigureOut">
               <a:rPr lang="ko-KR" altLang="en-US" smtClean="0"/>
-              <a:t>2018-09-23</a:t>
+              <a:t>2018-10-22</a:t>
             </a:fld>
             <a:endParaRPr lang="ko-KR" altLang="en-US"/>
           </a:p>
@@ -2570,7 +2589,7 @@
           <a:p>
             <a:fld id="{81EC6AE0-FB77-4B34-A74E-96E659487481}" type="datetimeFigureOut">
               <a:rPr lang="ko-KR" altLang="en-US" smtClean="0"/>
-              <a:t>2018-09-23</a:t>
+              <a:t>2018-10-22</a:t>
             </a:fld>
             <a:endParaRPr lang="ko-KR" altLang="en-US"/>
           </a:p>
@@ -3065,6 +3084,100 @@
       </p:grpSpPr>
       <p:pic>
         <p:nvPicPr>
+          <p:cNvPr id="5122" name="Picture 2"/>
+          <p:cNvPicPr>
+            <a:picLocks noChangeAspect="1" noChangeArrowheads="1"/>
+          </p:cNvPicPr>
+          <p:nvPr/>
+        </p:nvPicPr>
+        <p:blipFill>
+          <a:blip r:embed="rId2">
+            <a:extLst>
+              <a:ext uri="{28A0092B-C50C-407E-A947-70E740481C1C}">
+                <a14:useLocalDpi xmlns:a14="http://schemas.microsoft.com/office/drawing/2010/main" val="0"/>
+              </a:ext>
+            </a:extLst>
+          </a:blip>
+          <a:srcRect/>
+          <a:stretch>
+            <a:fillRect/>
+          </a:stretch>
+        </p:blipFill>
+        <p:spPr bwMode="auto">
+          <a:xfrm>
+            <a:off x="1081088" y="514350"/>
+            <a:ext cx="10029825" cy="5829300"/>
+          </a:xfrm>
+          <a:prstGeom prst="rect">
+            <a:avLst/>
+          </a:prstGeom>
+          <a:noFill/>
+          <a:ln>
+            <a:noFill/>
+          </a:ln>
+          <a:effectLst/>
+          <a:extLst>
+            <a:ext uri="{909E8E84-426E-40DD-AFC4-6F175D3DCCD1}">
+              <a14:hiddenFill xmlns:a14="http://schemas.microsoft.com/office/drawing/2010/main">
+                <a:solidFill>
+                  <a:schemeClr val="accent1"/>
+                </a:solidFill>
+              </a14:hiddenFill>
+            </a:ext>
+            <a:ext uri="{91240B29-F687-4F45-9708-019B960494DF}">
+              <a14:hiddenLine xmlns:a14="http://schemas.microsoft.com/office/drawing/2010/main" w="9525">
+                <a:solidFill>
+                  <a:schemeClr val="tx1"/>
+                </a:solidFill>
+                <a:miter lim="800000"/>
+                <a:headEnd/>
+                <a:tailEnd/>
+              </a14:hiddenLine>
+            </a:ext>
+            <a:ext uri="{AF507438-7753-43E0-B8FC-AC1667EBCBE1}">
+              <a14:hiddenEffects xmlns:a14="http://schemas.microsoft.com/office/drawing/2010/main">
+                <a:effectLst>
+                  <a:outerShdw dist="35921" dir="2700000" algn="ctr" rotWithShape="0">
+                    <a:schemeClr val="bg2"/>
+                  </a:outerShdw>
+                </a:effectLst>
+              </a14:hiddenEffects>
+            </a:ext>
+          </a:extLst>
+        </p:spPr>
+      </p:pic>
+    </p:spTree>
+    <p:extLst>
+      <p:ext uri="{BB962C8B-B14F-4D97-AF65-F5344CB8AC3E}">
+        <p14:creationId xmlns:p14="http://schemas.microsoft.com/office/powerpoint/2010/main" val="73999948"/>
+      </p:ext>
+    </p:extLst>
+  </p:cSld>
+  <p:clrMapOvr>
+    <a:masterClrMapping/>
+  </p:clrMapOvr>
+</p:sld>
+</file>
+
+<file path=ppt/slides/slide11.xml><?xml version="1.0" encoding="utf-8"?>
+<p:sld xmlns:a="http://schemas.openxmlformats.org/drawingml/2006/main" xmlns:r="http://schemas.openxmlformats.org/officeDocument/2006/relationships" xmlns:p="http://schemas.openxmlformats.org/presentationml/2006/main">
+  <p:cSld>
+    <p:spTree>
+      <p:nvGrpSpPr>
+        <p:cNvPr id="1" name=""/>
+        <p:cNvGrpSpPr/>
+        <p:nvPr/>
+      </p:nvGrpSpPr>
+      <p:grpSpPr>
+        <a:xfrm>
+          <a:off x="0" y="0"/>
+          <a:ext cx="0" cy="0"/>
+          <a:chOff x="0" y="0"/>
+          <a:chExt cx="0" cy="0"/>
+        </a:xfrm>
+      </p:grpSpPr>
+      <p:pic>
+        <p:nvPicPr>
           <p:cNvPr id="4098" name="Picture 2"/>
           <p:cNvPicPr>
             <a:picLocks noChangeAspect="1" noChangeArrowheads="1"/>
@@ -3140,7 +3253,7 @@
 </p:sld>
 </file>
 
-<file path=ppt/slides/slide11.xml><?xml version="1.0" encoding="utf-8"?>
+<file path=ppt/slides/slide12.xml><?xml version="1.0" encoding="utf-8"?>
 <p:sld xmlns:a="http://schemas.openxmlformats.org/drawingml/2006/main" xmlns:r="http://schemas.openxmlformats.org/officeDocument/2006/relationships" xmlns:p="http://schemas.openxmlformats.org/presentationml/2006/main">
   <p:cSld>
     <p:spTree>
@@ -3234,7 +3347,7 @@
 </p:sld>
 </file>
 
-<file path=ppt/slides/slide12.xml><?xml version="1.0" encoding="utf-8"?>
+<file path=ppt/slides/slide13.xml><?xml version="1.0" encoding="utf-8"?>
 <p:sld xmlns:a="http://schemas.openxmlformats.org/drawingml/2006/main" xmlns:r="http://schemas.openxmlformats.org/officeDocument/2006/relationships" xmlns:p="http://schemas.openxmlformats.org/presentationml/2006/main">
   <p:cSld>
     <p:spTree>
@@ -3318,6 +3431,128 @@
     </p:spTree>
     <p:extLst>
       <p:ext uri="{BB962C8B-B14F-4D97-AF65-F5344CB8AC3E}">
+        <p14:creationId xmlns:p14="http://schemas.microsoft.com/office/powerpoint/2010/main" val="3984231751"/>
+      </p:ext>
+    </p:extLst>
+  </p:cSld>
+  <p:clrMapOvr>
+    <a:masterClrMapping/>
+  </p:clrMapOvr>
+</p:sld>
+</file>
+
+<file path=ppt/slides/slide14.xml><?xml version="1.0" encoding="utf-8"?>
+<p:sld xmlns:a="http://schemas.openxmlformats.org/drawingml/2006/main" xmlns:r="http://schemas.openxmlformats.org/officeDocument/2006/relationships" xmlns:p="http://schemas.openxmlformats.org/presentationml/2006/main">
+  <p:cSld>
+    <p:spTree>
+      <p:nvGrpSpPr>
+        <p:cNvPr id="1" name=""/>
+        <p:cNvGrpSpPr/>
+        <p:nvPr/>
+      </p:nvGrpSpPr>
+      <p:grpSpPr>
+        <a:xfrm>
+          <a:off x="0" y="0"/>
+          <a:ext cx="0" cy="0"/>
+          <a:chOff x="0" y="0"/>
+          <a:chExt cx="0" cy="0"/>
+        </a:xfrm>
+      </p:grpSpPr>
+      <p:sp>
+        <p:nvSpPr>
+          <p:cNvPr id="2" name="제목 1"/>
+          <p:cNvSpPr>
+            <a:spLocks noGrp="1"/>
+          </p:cNvSpPr>
+          <p:nvPr>
+            <p:ph type="title"/>
+          </p:nvPr>
+        </p:nvSpPr>
+        <p:spPr/>
+        <p:txBody>
+          <a:bodyPr/>
+          <a:lstStyle/>
+          <a:p>
+            <a:endParaRPr lang="ko-KR" altLang="en-US"/>
+          </a:p>
+        </p:txBody>
+      </p:sp>
+      <p:sp>
+        <p:nvSpPr>
+          <p:cNvPr id="3" name="내용 개체 틀 2"/>
+          <p:cNvSpPr>
+            <a:spLocks noGrp="1"/>
+          </p:cNvSpPr>
+          <p:nvPr>
+            <p:ph idx="1"/>
+          </p:nvPr>
+        </p:nvSpPr>
+        <p:spPr/>
+        <p:txBody>
+          <a:bodyPr/>
+          <a:lstStyle/>
+          <a:p>
+            <a:endParaRPr lang="ko-KR" altLang="en-US"/>
+          </a:p>
+        </p:txBody>
+      </p:sp>
+    </p:spTree>
+    <p:extLst>
+      <p:ext uri="{BB962C8B-B14F-4D97-AF65-F5344CB8AC3E}">
+        <p14:creationId xmlns:p14="http://schemas.microsoft.com/office/powerpoint/2010/main" val="3903717570"/>
+      </p:ext>
+    </p:extLst>
+  </p:cSld>
+  <p:clrMapOvr>
+    <a:masterClrMapping/>
+  </p:clrMapOvr>
+</p:sld>
+</file>
+
+<file path=ppt/slides/slide15.xml><?xml version="1.0" encoding="utf-8"?>
+<p:sld xmlns:a="http://schemas.openxmlformats.org/drawingml/2006/main" xmlns:r="http://schemas.openxmlformats.org/officeDocument/2006/relationships" xmlns:p="http://schemas.openxmlformats.org/presentationml/2006/main">
+  <p:cSld>
+    <p:spTree>
+      <p:nvGrpSpPr>
+        <p:cNvPr id="1" name=""/>
+        <p:cNvGrpSpPr/>
+        <p:nvPr/>
+      </p:nvGrpSpPr>
+      <p:grpSpPr>
+        <a:xfrm>
+          <a:off x="0" y="0"/>
+          <a:ext cx="0" cy="0"/>
+          <a:chOff x="0" y="0"/>
+          <a:chExt cx="0" cy="0"/>
+        </a:xfrm>
+      </p:grpSpPr>
+      <p:pic>
+        <p:nvPicPr>
+          <p:cNvPr id="2" name="그림 1"/>
+          <p:cNvPicPr>
+            <a:picLocks noChangeAspect="1"/>
+          </p:cNvPicPr>
+          <p:nvPr/>
+        </p:nvPicPr>
+        <p:blipFill>
+          <a:blip r:embed="rId2"/>
+          <a:stretch>
+            <a:fillRect/>
+          </a:stretch>
+        </p:blipFill>
+        <p:spPr>
+          <a:xfrm>
+            <a:off x="992431" y="413972"/>
+            <a:ext cx="10048875" cy="6153150"/>
+          </a:xfrm>
+          <a:prstGeom prst="rect">
+            <a:avLst/>
+          </a:prstGeom>
+        </p:spPr>
+      </p:pic>
+    </p:spTree>
+    <p:extLst>
+      <p:ext uri="{BB962C8B-B14F-4D97-AF65-F5344CB8AC3E}">
         <p14:creationId xmlns:p14="http://schemas.microsoft.com/office/powerpoint/2010/main" val="73999948"/>
       </p:ext>
     </p:extLst>
@@ -3948,6 +4183,74 @@
       </p:grpSpPr>
       <p:sp>
         <p:nvSpPr>
+          <p:cNvPr id="2" name="제목 1"/>
+          <p:cNvSpPr>
+            <a:spLocks noGrp="1"/>
+          </p:cNvSpPr>
+          <p:nvPr>
+            <p:ph type="title"/>
+          </p:nvPr>
+        </p:nvSpPr>
+        <p:spPr/>
+        <p:txBody>
+          <a:bodyPr/>
+          <a:lstStyle/>
+          <a:p>
+            <a:endParaRPr lang="ko-KR" altLang="en-US"/>
+          </a:p>
+        </p:txBody>
+      </p:sp>
+      <p:sp>
+        <p:nvSpPr>
+          <p:cNvPr id="3" name="내용 개체 틀 2"/>
+          <p:cNvSpPr>
+            <a:spLocks noGrp="1"/>
+          </p:cNvSpPr>
+          <p:nvPr>
+            <p:ph idx="1"/>
+          </p:nvPr>
+        </p:nvSpPr>
+        <p:spPr/>
+        <p:txBody>
+          <a:bodyPr/>
+          <a:lstStyle/>
+          <a:p>
+            <a:endParaRPr lang="ko-KR" altLang="en-US"/>
+          </a:p>
+        </p:txBody>
+      </p:sp>
+    </p:spTree>
+    <p:extLst>
+      <p:ext uri="{BB962C8B-B14F-4D97-AF65-F5344CB8AC3E}">
+        <p14:creationId xmlns:p14="http://schemas.microsoft.com/office/powerpoint/2010/main" val="3438069816"/>
+      </p:ext>
+    </p:extLst>
+  </p:cSld>
+  <p:clrMapOvr>
+    <a:masterClrMapping/>
+  </p:clrMapOvr>
+</p:sld>
+</file>
+
+<file path=ppt/slides/slide8.xml><?xml version="1.0" encoding="utf-8"?>
+<p:sld xmlns:a="http://schemas.openxmlformats.org/drawingml/2006/main" xmlns:r="http://schemas.openxmlformats.org/officeDocument/2006/relationships" xmlns:p="http://schemas.openxmlformats.org/presentationml/2006/main">
+  <p:cSld>
+    <p:spTree>
+      <p:nvGrpSpPr>
+        <p:cNvPr id="1" name=""/>
+        <p:cNvGrpSpPr/>
+        <p:nvPr/>
+      </p:nvGrpSpPr>
+      <p:grpSpPr>
+        <a:xfrm>
+          <a:off x="0" y="0"/>
+          <a:ext cx="0" cy="0"/>
+          <a:chOff x="0" y="0"/>
+          <a:chExt cx="0" cy="0"/>
+        </a:xfrm>
+      </p:grpSpPr>
+      <p:sp>
+        <p:nvSpPr>
           <p:cNvPr id="4" name="TextBox 3"/>
           <p:cNvSpPr txBox="1"/>
           <p:nvPr/>
@@ -4056,7 +4359,7 @@
 </p:sld>
 </file>
 
-<file path=ppt/slides/slide8.xml><?xml version="1.0" encoding="utf-8"?>
+<file path=ppt/slides/slide9.xml><?xml version="1.0" encoding="utf-8"?>
 <p:sld xmlns:a="http://schemas.openxmlformats.org/drawingml/2006/main" xmlns:r="http://schemas.openxmlformats.org/officeDocument/2006/relationships" xmlns:p="http://schemas.openxmlformats.org/presentationml/2006/main">
   <p:cSld>
     <p:spTree>
@@ -4141,100 +4444,6 @@
     <p:extLst>
       <p:ext uri="{BB962C8B-B14F-4D97-AF65-F5344CB8AC3E}">
         <p14:creationId xmlns:p14="http://schemas.microsoft.com/office/powerpoint/2010/main" val="227651348"/>
-      </p:ext>
-    </p:extLst>
-  </p:cSld>
-  <p:clrMapOvr>
-    <a:masterClrMapping/>
-  </p:clrMapOvr>
-</p:sld>
-</file>
-
-<file path=ppt/slides/slide9.xml><?xml version="1.0" encoding="utf-8"?>
-<p:sld xmlns:a="http://schemas.openxmlformats.org/drawingml/2006/main" xmlns:r="http://schemas.openxmlformats.org/officeDocument/2006/relationships" xmlns:p="http://schemas.openxmlformats.org/presentationml/2006/main">
-  <p:cSld>
-    <p:spTree>
-      <p:nvGrpSpPr>
-        <p:cNvPr id="1" name=""/>
-        <p:cNvGrpSpPr/>
-        <p:nvPr/>
-      </p:nvGrpSpPr>
-      <p:grpSpPr>
-        <a:xfrm>
-          <a:off x="0" y="0"/>
-          <a:ext cx="0" cy="0"/>
-          <a:chOff x="0" y="0"/>
-          <a:chExt cx="0" cy="0"/>
-        </a:xfrm>
-      </p:grpSpPr>
-      <p:pic>
-        <p:nvPicPr>
-          <p:cNvPr id="5122" name="Picture 2"/>
-          <p:cNvPicPr>
-            <a:picLocks noChangeAspect="1" noChangeArrowheads="1"/>
-          </p:cNvPicPr>
-          <p:nvPr/>
-        </p:nvPicPr>
-        <p:blipFill>
-          <a:blip r:embed="rId2">
-            <a:extLst>
-              <a:ext uri="{28A0092B-C50C-407E-A947-70E740481C1C}">
-                <a14:useLocalDpi xmlns:a14="http://schemas.microsoft.com/office/drawing/2010/main" val="0"/>
-              </a:ext>
-            </a:extLst>
-          </a:blip>
-          <a:srcRect/>
-          <a:stretch>
-            <a:fillRect/>
-          </a:stretch>
-        </p:blipFill>
-        <p:spPr bwMode="auto">
-          <a:xfrm>
-            <a:off x="1081088" y="514350"/>
-            <a:ext cx="10029825" cy="5829300"/>
-          </a:xfrm>
-          <a:prstGeom prst="rect">
-            <a:avLst/>
-          </a:prstGeom>
-          <a:noFill/>
-          <a:ln>
-            <a:noFill/>
-          </a:ln>
-          <a:effectLst/>
-          <a:extLst>
-            <a:ext uri="{909E8E84-426E-40DD-AFC4-6F175D3DCCD1}">
-              <a14:hiddenFill xmlns:a14="http://schemas.microsoft.com/office/drawing/2010/main">
-                <a:solidFill>
-                  <a:schemeClr val="accent1"/>
-                </a:solidFill>
-              </a14:hiddenFill>
-            </a:ext>
-            <a:ext uri="{91240B29-F687-4F45-9708-019B960494DF}">
-              <a14:hiddenLine xmlns:a14="http://schemas.microsoft.com/office/drawing/2010/main" w="9525">
-                <a:solidFill>
-                  <a:schemeClr val="tx1"/>
-                </a:solidFill>
-                <a:miter lim="800000"/>
-                <a:headEnd/>
-                <a:tailEnd/>
-              </a14:hiddenLine>
-            </a:ext>
-            <a:ext uri="{AF507438-7753-43E0-B8FC-AC1667EBCBE1}">
-              <a14:hiddenEffects xmlns:a14="http://schemas.microsoft.com/office/drawing/2010/main">
-                <a:effectLst>
-                  <a:outerShdw dist="35921" dir="2700000" algn="ctr" rotWithShape="0">
-                    <a:schemeClr val="bg2"/>
-                  </a:outerShdw>
-                </a:effectLst>
-              </a14:hiddenEffects>
-            </a:ext>
-          </a:extLst>
-        </p:spPr>
-      </p:pic>
-    </p:spTree>
-    <p:extLst>
-      <p:ext uri="{BB962C8B-B14F-4D97-AF65-F5344CB8AC3E}">
-        <p14:creationId xmlns:p14="http://schemas.microsoft.com/office/powerpoint/2010/main" val="73999948"/>
       </p:ext>
     </p:extLst>
   </p:cSld>
@@ -4499,7 +4708,7 @@
   <a:extraClrSchemeLst/>
   <a:extLst>
     <a:ext uri="{05A4C25C-085E-4340-85A3-A5531E510DB2}">
-      <thm15:themeFamily xmlns="" xmlns:thm15="http://schemas.microsoft.com/office/thememl/2012/main" name="Office Theme" id="{62F939B6-93AF-4DB8-9C6B-D6C7DFDC589F}" vid="{4A3C46E8-61CC-4603-A589-7422A47A8E4A}"/>
+      <thm15:themeFamily xmlns:thm15="http://schemas.microsoft.com/office/thememl/2012/main" name="Office Theme" id="{62F939B6-93AF-4DB8-9C6B-D6C7DFDC589F}" vid="{4A3C46E8-61CC-4603-A589-7422A47A8E4A}"/>
     </a:ext>
   </a:extLst>
 </a:theme>
